--- a/smartcities/themeforest-6705726-stroller-mobile-tablet-responsive-template/PresentacionOferta/OfertaEmpleo.pptx
+++ b/smartcities/themeforest-6705726-stroller-mobile-tablet-responsive-template/PresentacionOferta/OfertaEmpleo.pptx
@@ -3280,8 +3280,8 @@
         </p:nvSpPr>
         <p:spPr>
           <a:xfrm>
-            <a:off x="251520" y="1556792"/>
-            <a:ext cx="7632848" cy="1200328"/>
+            <a:off x="251520" y="1484784"/>
+            <a:ext cx="5040560" cy="4832093"/>
           </a:xfrm>
           <a:prstGeom prst="rect">
             <a:avLst/>
@@ -3294,48 +3294,74 @@
           </a:bodyPr>
           <a:lstStyle/>
           <a:p>
-            <a:r>
-              <a:rPr lang="es-MX" sz="2400" b="1" dirty="0" smtClean="0">
-                <a:solidFill>
-                  <a:srgbClr val="FF0000"/>
-                </a:solidFill>
-              </a:rPr>
-              <a:t>PROBLEMA</a:t>
-            </a:r>
-            <a:r>
-              <a:rPr lang="es-MX" sz="2400" dirty="0" smtClean="0"/>
-              <a:t>: Buscar y ofrecer empleo.</a:t>
-            </a:r>
-          </a:p>
-          <a:p>
-            <a:endParaRPr lang="es-MX" sz="2400" dirty="0"/>
-          </a:p>
-          <a:p>
-            <a:r>
-              <a:rPr lang="es-MX" sz="2400" b="1" dirty="0" smtClean="0">
-                <a:solidFill>
-                  <a:schemeClr val="accent3">
-                    <a:lumMod val="50000"/>
-                  </a:schemeClr>
-                </a:solidFill>
-              </a:rPr>
-              <a:t>SOLUCI</a:t>
-            </a:r>
-            <a:r>
-              <a:rPr lang="es-MX" sz="2400" b="1" dirty="0" smtClean="0">
-                <a:solidFill>
-                  <a:schemeClr val="accent3">
-                    <a:lumMod val="50000"/>
-                  </a:schemeClr>
-                </a:solidFill>
-              </a:rPr>
-              <a:t>ÓN</a:t>
-            </a:r>
-            <a:r>
-              <a:rPr lang="es-MX" sz="2400" dirty="0" smtClean="0"/>
-              <a:t>:</a:t>
-            </a:r>
-            <a:endParaRPr lang="es-MX" sz="2400" dirty="0" smtClean="0"/>
+            <a:pPr marL="342900" indent="-342900">
+              <a:buFontTx/>
+              <a:buChar char="-"/>
+            </a:pPr>
+            <a:r>
+              <a:rPr lang="es-MX" sz="2800" dirty="0" smtClean="0"/>
+              <a:t>Dificil acceso a ofertas a nivel nacional.</a:t>
+            </a:r>
+          </a:p>
+          <a:p>
+            <a:pPr marL="342900" indent="-342900">
+              <a:buFontTx/>
+              <a:buChar char="-"/>
+            </a:pPr>
+            <a:endParaRPr lang="es-MX" sz="2800" dirty="0"/>
+          </a:p>
+          <a:p>
+            <a:pPr marL="342900" indent="-342900">
+              <a:buFontTx/>
+              <a:buChar char="-"/>
+            </a:pPr>
+            <a:r>
+              <a:rPr lang="es-MX" sz="2800" dirty="0" smtClean="0"/>
+              <a:t>Faltan canales informativos para empleadores.</a:t>
+            </a:r>
+          </a:p>
+          <a:p>
+            <a:pPr marL="342900" indent="-342900">
+              <a:buFontTx/>
+              <a:buChar char="-"/>
+            </a:pPr>
+            <a:endParaRPr lang="es-MX" sz="2800" dirty="0"/>
+          </a:p>
+          <a:p>
+            <a:pPr marL="342900" indent="-342900">
+              <a:buFontTx/>
+              <a:buChar char="-"/>
+            </a:pPr>
+            <a:r>
+              <a:rPr lang="es-ES_tradnl" sz="2800" dirty="0" smtClean="0"/>
+              <a:t>Difícil ubicaci</a:t>
+            </a:r>
+            <a:r>
+              <a:rPr lang="es-ES_tradnl" sz="2800" dirty="0" smtClean="0"/>
+              <a:t>ón geográfica de ofertas.</a:t>
+            </a:r>
+          </a:p>
+          <a:p>
+            <a:pPr marL="342900" indent="-342900">
+              <a:buFontTx/>
+              <a:buChar char="-"/>
+            </a:pPr>
+            <a:endParaRPr lang="es-ES_tradnl" sz="2800" dirty="0"/>
+          </a:p>
+          <a:p>
+            <a:pPr marL="342900" indent="-342900">
+              <a:buFontTx/>
+              <a:buChar char="-"/>
+            </a:pPr>
+            <a:r>
+              <a:rPr lang="en-US" sz="2800" dirty="0" smtClean="0"/>
+              <a:t>F</a:t>
+            </a:r>
+            <a:r>
+              <a:rPr lang="es-ES_tradnl" sz="2800" dirty="0" smtClean="0"/>
+              <a:t>alta de criterios personalizados de búsqueda.</a:t>
+            </a:r>
+            <a:endParaRPr lang="es-MX" sz="2800" dirty="0" smtClean="0"/>
           </a:p>
         </p:txBody>
       </p:sp>
@@ -3367,6 +3393,46 @@
           <a:prstGeom prst="rect">
             <a:avLst/>
           </a:prstGeom>
+        </p:spPr>
+      </p:pic>
+      <p:pic>
+        <p:nvPicPr>
+          <p:cNvPr id="7" name="Picture 6" descr="Captura de pantalla 2014-08-03 a la(s) 13.20.09.png"/>
+          <p:cNvPicPr>
+            <a:picLocks noChangeAspect="1"/>
+          </p:cNvPicPr>
+          <p:nvPr/>
+        </p:nvPicPr>
+        <p:blipFill>
+          <a:blip r:embed="rId3">
+            <a:extLst>
+              <a:ext uri="{28A0092B-C50C-407E-A947-70E740481C1C}">
+                <a14:useLocalDpi xmlns:a14="http://schemas.microsoft.com/office/drawing/2010/main" val="0"/>
+              </a:ext>
+            </a:extLst>
+          </a:blip>
+          <a:stretch>
+            <a:fillRect/>
+          </a:stretch>
+        </p:blipFill>
+        <p:spPr>
+          <a:xfrm>
+            <a:off x="5436096" y="1340768"/>
+            <a:ext cx="3384376" cy="4872481"/>
+          </a:xfrm>
+          <a:prstGeom prst="rect">
+            <a:avLst/>
+          </a:prstGeom>
+          <a:ln>
+            <a:noFill/>
+          </a:ln>
+          <a:effectLst>
+            <a:outerShdw blurRad="292100" dist="139700" dir="2700000" algn="tl" rotWithShape="0">
+              <a:srgbClr val="333333">
+                <a:alpha val="65000"/>
+              </a:srgbClr>
+            </a:outerShdw>
+          </a:effectLst>
         </p:spPr>
       </p:pic>
     </p:spTree>
@@ -3422,51 +3488,86 @@
           </a:p>
         </p:txBody>
       </p:sp>
-      <p:sp>
-        <p:nvSpPr>
-          <p:cNvPr id="3" name="2 CuadroTexto"/>
-          <p:cNvSpPr txBox="1"/>
+      <p:pic>
+        <p:nvPicPr>
+          <p:cNvPr id="5" name="Picture 4" descr="logo_sige.png"/>
+          <p:cNvPicPr>
+            <a:picLocks noChangeAspect="1"/>
+          </p:cNvPicPr>
           <p:nvPr/>
-        </p:nvSpPr>
+        </p:nvPicPr>
+        <p:blipFill>
+          <a:blip r:embed="rId2">
+            <a:extLst>
+              <a:ext uri="{28A0092B-C50C-407E-A947-70E740481C1C}">
+                <a14:useLocalDpi xmlns:a14="http://schemas.microsoft.com/office/drawing/2010/main" val="0"/>
+              </a:ext>
+            </a:extLst>
+          </a:blip>
+          <a:stretch>
+            <a:fillRect/>
+          </a:stretch>
+        </p:blipFill>
         <p:spPr>
           <a:xfrm>
-            <a:off x="147987" y="5795972"/>
-            <a:ext cx="8854219" cy="369332"/>
+            <a:off x="251521" y="116632"/>
+            <a:ext cx="1538556" cy="720080"/>
           </a:xfrm>
           <a:prstGeom prst="rect">
             <a:avLst/>
           </a:prstGeom>
-          <a:solidFill>
-            <a:schemeClr val="accent6">
-              <a:lumMod val="60000"/>
-              <a:lumOff val="40000"/>
-            </a:schemeClr>
-          </a:solidFill>
         </p:spPr>
-        <p:txBody>
-          <a:bodyPr wrap="none" rtlCol="0">
-            <a:spAutoFit/>
-          </a:bodyPr>
-          <a:lstStyle/>
-          <a:p>
-            <a:r>
-              <a:rPr lang="es-MX" dirty="0" smtClean="0"/>
-              <a:t>1 minuto para presentar esta diapositiva. Borre este mensaje antes de hacer su presentación</a:t>
-            </a:r>
-            <a:endParaRPr lang="es-CO" dirty="0"/>
-          </a:p>
-        </p:txBody>
-      </p:sp>
-      <p:sp>
-        <p:nvSpPr>
-          <p:cNvPr id="4" name="3 CuadroTexto"/>
+      </p:pic>
+      <p:pic>
+        <p:nvPicPr>
+          <p:cNvPr id="6" name="Picture 5" descr="Captura de pantalla 2014-08-03 a la(s) 13.24.23.png"/>
+          <p:cNvPicPr>
+            <a:picLocks noChangeAspect="1"/>
+          </p:cNvPicPr>
+          <p:nvPr/>
+        </p:nvPicPr>
+        <p:blipFill>
+          <a:blip r:embed="rId3">
+            <a:extLst>
+              <a:ext uri="{28A0092B-C50C-407E-A947-70E740481C1C}">
+                <a14:useLocalDpi xmlns:a14="http://schemas.microsoft.com/office/drawing/2010/main" val="0"/>
+              </a:ext>
+            </a:extLst>
+          </a:blip>
+          <a:stretch>
+            <a:fillRect/>
+          </a:stretch>
+        </p:blipFill>
+        <p:spPr>
+          <a:xfrm>
+            <a:off x="5436096" y="1412776"/>
+            <a:ext cx="3201692" cy="4725144"/>
+          </a:xfrm>
+          <a:prstGeom prst="rect">
+            <a:avLst/>
+          </a:prstGeom>
+          <a:ln>
+            <a:noFill/>
+          </a:ln>
+          <a:effectLst>
+            <a:outerShdw blurRad="292100" dist="139700" dir="2700000" algn="tl" rotWithShape="0">
+              <a:srgbClr val="333333">
+                <a:alpha val="65000"/>
+              </a:srgbClr>
+            </a:outerShdw>
+          </a:effectLst>
+        </p:spPr>
+      </p:pic>
+      <p:sp>
+        <p:nvSpPr>
+          <p:cNvPr id="7" name="2 CuadroTexto"/>
           <p:cNvSpPr txBox="1"/>
           <p:nvPr/>
         </p:nvSpPr>
         <p:spPr>
           <a:xfrm>
-            <a:off x="611560" y="1556792"/>
-            <a:ext cx="7920880" cy="2585323"/>
+            <a:off x="251520" y="1340768"/>
+            <a:ext cx="5040560" cy="5262979"/>
           </a:xfrm>
           <a:prstGeom prst="rect">
             <a:avLst/>
@@ -3479,59 +3580,121 @@
           </a:bodyPr>
           <a:lstStyle/>
           <a:p>
-            <a:r>
-              <a:rPr lang="es-MX" dirty="0" smtClean="0"/>
-              <a:t>Sugerencias: </a:t>
-            </a:r>
-          </a:p>
-          <a:p>
             <a:pPr marL="342900" indent="-342900">
-              <a:buAutoNum type="arabicPeriod"/>
+              <a:buFontTx/>
+              <a:buChar char="-"/>
             </a:pPr>
             <a:r>
-              <a:rPr lang="es-MX" dirty="0" smtClean="0"/>
-              <a:t>Mencione en esta diapositiva el alcance de su aplicación (con las funcionalidades que contará)</a:t>
+              <a:rPr lang="es-MX" sz="2400" dirty="0" smtClean="0"/>
+              <a:t>Listado de ofertas.</a:t>
             </a:r>
           </a:p>
           <a:p>
             <a:pPr marL="342900" indent="-342900">
-              <a:buAutoNum type="arabicPeriod"/>
+              <a:buFontTx/>
+              <a:buChar char="-"/>
             </a:pPr>
-            <a:r>
-              <a:rPr lang="es-MX" dirty="0" smtClean="0"/>
-              <a:t>Utilice </a:t>
-            </a:r>
-            <a:r>
-              <a:rPr lang="es-MX" dirty="0"/>
-              <a:t>muy poco texto (los evaluadores le ponen atención o la presentación o al expositor, por eso las imágenes deben ser de soporte). Mejor aún si solo utiliza imágenes y una o dos palabras indicativa.</a:t>
-            </a:r>
+            <a:endParaRPr lang="es-MX" sz="2400" dirty="0" smtClean="0"/>
           </a:p>
           <a:p>
             <a:pPr marL="342900" indent="-342900">
-              <a:buAutoNum type="arabicPeriod"/>
+              <a:buFontTx/>
+              <a:buChar char="-"/>
             </a:pPr>
             <a:r>
-              <a:rPr lang="es-MX" dirty="0" smtClean="0"/>
-              <a:t>Explique los elementos de su idea que la hacen novedosa y que generan valor para resolver la problemática identificada.</a:t>
+              <a:rPr lang="es-MX" sz="2400" dirty="0" smtClean="0"/>
+              <a:t>Participaci</a:t>
+            </a:r>
+            <a:r>
+              <a:rPr lang="es-MX" sz="2400" dirty="0" smtClean="0"/>
+              <a:t>ón ciudadana (Redes sociales).</a:t>
             </a:r>
           </a:p>
           <a:p>
             <a:pPr marL="342900" indent="-342900">
-              <a:buAutoNum type="arabicPeriod"/>
+              <a:buFontTx/>
+              <a:buChar char="-"/>
             </a:pPr>
-            <a:r>
-              <a:rPr lang="es-MX" dirty="0" smtClean="0"/>
-              <a:t>NO OLVIDAR: Mencione si su propuesta incluye el desarrollo de un back-</a:t>
-            </a:r>
-            <a:r>
-              <a:rPr lang="es-MX" dirty="0" err="1" smtClean="0"/>
-              <a:t>end</a:t>
-            </a:r>
-            <a:r>
-              <a:rPr lang="es-MX" dirty="0" smtClean="0"/>
-              <a:t>.</a:t>
-            </a:r>
-            <a:endParaRPr lang="es-CO" dirty="0"/>
+            <a:endParaRPr lang="es-MX" sz="2400" dirty="0" smtClean="0"/>
+          </a:p>
+          <a:p>
+            <a:pPr marL="342900" indent="-342900">
+              <a:buFontTx/>
+              <a:buChar char="-"/>
+            </a:pPr>
+            <a:r>
+              <a:rPr lang="es-MX" sz="2400" dirty="0" smtClean="0"/>
+              <a:t>Registro de ofertas.</a:t>
+            </a:r>
+          </a:p>
+          <a:p>
+            <a:pPr marL="342900" indent="-342900">
+              <a:buFontTx/>
+              <a:buChar char="-"/>
+            </a:pPr>
+            <a:endParaRPr lang="es-MX" sz="2400" dirty="0" smtClean="0"/>
+          </a:p>
+          <a:p>
+            <a:pPr marL="342900" indent="-342900">
+              <a:buFontTx/>
+              <a:buChar char="-"/>
+            </a:pPr>
+            <a:r>
+              <a:rPr lang="es-MX" sz="2400" dirty="0" smtClean="0"/>
+              <a:t>GEOLOCALIZACIÓN.</a:t>
+            </a:r>
+          </a:p>
+          <a:p>
+            <a:pPr marL="342900" indent="-342900">
+              <a:buFontTx/>
+              <a:buChar char="-"/>
+            </a:pPr>
+            <a:endParaRPr lang="es-MX" sz="2400" dirty="0" smtClean="0"/>
+          </a:p>
+          <a:p>
+            <a:pPr marL="342900" indent="-342900">
+              <a:buFontTx/>
+              <a:buChar char="-"/>
+            </a:pPr>
+            <a:r>
+              <a:rPr lang="es-MX" sz="2400" dirty="0" smtClean="0"/>
+              <a:t>NOTICIAS DE INTERÉS.</a:t>
+            </a:r>
+          </a:p>
+          <a:p>
+            <a:pPr marL="342900" indent="-342900">
+              <a:buFontTx/>
+              <a:buChar char="-"/>
+            </a:pPr>
+            <a:endParaRPr lang="es-MX" sz="2400" dirty="0" smtClean="0"/>
+          </a:p>
+          <a:p>
+            <a:pPr marL="342900" indent="-342900">
+              <a:buFontTx/>
+              <a:buChar char="-"/>
+            </a:pPr>
+            <a:r>
+              <a:rPr lang="es-MX" sz="2400" dirty="0" smtClean="0"/>
+              <a:t>PREGUNTAS FRECUENTES.</a:t>
+            </a:r>
+          </a:p>
+          <a:p>
+            <a:pPr marL="342900" indent="-342900">
+              <a:buFontTx/>
+              <a:buChar char="-"/>
+            </a:pPr>
+            <a:endParaRPr lang="es-MX" sz="2400" dirty="0"/>
+          </a:p>
+          <a:p>
+            <a:pPr marL="342900" indent="-342900">
+              <a:buFontTx/>
+              <a:buChar char="-"/>
+            </a:pPr>
+            <a:r>
+              <a:rPr lang="es-MX" sz="2400" dirty="0" smtClean="0"/>
+              <a:t>Notificaciones internas</a:t>
+            </a:r>
+            <a:endParaRPr lang="es-MX" sz="2400" dirty="0" smtClean="0"/>
           </a:p>
         </p:txBody>
       </p:sp>
@@ -3577,7 +3740,7 @@
         </p:nvSpPr>
         <p:spPr>
           <a:xfrm>
-            <a:off x="457200" y="2850634"/>
+            <a:off x="395536" y="1196752"/>
             <a:ext cx="8229600" cy="1143000"/>
           </a:xfrm>
         </p:spPr>
@@ -3593,45 +3756,79 @@
           </a:p>
         </p:txBody>
       </p:sp>
-      <p:sp>
-        <p:nvSpPr>
-          <p:cNvPr id="3" name="2 CuadroTexto"/>
-          <p:cNvSpPr txBox="1"/>
+      <p:pic>
+        <p:nvPicPr>
+          <p:cNvPr id="4" name="Picture 3" descr="logo_sige.png"/>
+          <p:cNvPicPr>
+            <a:picLocks noChangeAspect="1"/>
+          </p:cNvPicPr>
           <p:nvPr/>
-        </p:nvSpPr>
+        </p:nvPicPr>
+        <p:blipFill>
+          <a:blip r:embed="rId2">
+            <a:extLst>
+              <a:ext uri="{28A0092B-C50C-407E-A947-70E740481C1C}">
+                <a14:useLocalDpi xmlns:a14="http://schemas.microsoft.com/office/drawing/2010/main" val="0"/>
+              </a:ext>
+            </a:extLst>
+          </a:blip>
+          <a:stretch>
+            <a:fillRect/>
+          </a:stretch>
+        </p:blipFill>
         <p:spPr>
           <a:xfrm>
-            <a:off x="922452" y="5795972"/>
-            <a:ext cx="7283661" cy="646331"/>
+            <a:off x="1115616" y="2996952"/>
+            <a:ext cx="2710891" cy="1268760"/>
           </a:xfrm>
           <a:prstGeom prst="rect">
             <a:avLst/>
           </a:prstGeom>
-          <a:solidFill>
-            <a:schemeClr val="accent6">
-              <a:lumMod val="60000"/>
-              <a:lumOff val="40000"/>
-            </a:schemeClr>
-          </a:solidFill>
         </p:spPr>
-        <p:txBody>
-          <a:bodyPr wrap="none" rtlCol="0">
-            <a:spAutoFit/>
+      </p:pic>
+      <p:sp>
+        <p:nvSpPr>
+          <p:cNvPr id="5" name="1 Título"/>
+          <p:cNvSpPr txBox="1">
+            <a:spLocks/>
+          </p:cNvSpPr>
+          <p:nvPr/>
+        </p:nvSpPr>
+        <p:spPr>
+          <a:xfrm>
+            <a:off x="4932040" y="2996952"/>
+            <a:ext cx="3670176" cy="1082551"/>
+          </a:xfrm>
+          <a:prstGeom prst="rect">
+            <a:avLst/>
+          </a:prstGeom>
+        </p:spPr>
+        <p:txBody>
+          <a:bodyPr vert="horz" lIns="91440" tIns="45720" rIns="91440" bIns="45720" rtlCol="0" anchor="ctr">
+            <a:normAutofit/>
           </a:bodyPr>
-          <a:lstStyle/>
-          <a:p>
-            <a:r>
-              <a:rPr lang="es-MX" dirty="0" smtClean="0"/>
-              <a:t>Pase a mostrar la aplicación en los dispositivos para los cuales la desarrolló. </a:t>
-            </a:r>
-          </a:p>
-          <a:p>
-            <a:pPr algn="ctr"/>
-            <a:r>
-              <a:rPr lang="es-MX" dirty="0" smtClean="0"/>
-              <a:t>Le quedarán 3 minutos. Borre este mensaje antes de hacer su presentación</a:t>
-            </a:r>
-            <a:endParaRPr lang="es-CO" dirty="0"/>
+          <a:lstStyle>
+            <a:lvl1pPr algn="ctr" defTabSz="914400" rtl="0" eaLnBrk="1" latinLnBrk="0" hangingPunct="1">
+              <a:spcBef>
+                <a:spcPct val="0"/>
+              </a:spcBef>
+              <a:buNone/>
+              <a:defRPr sz="4400" kern="1200">
+                <a:solidFill>
+                  <a:schemeClr val="tx1"/>
+                </a:solidFill>
+                <a:latin typeface="+mj-lt"/>
+                <a:ea typeface="+mj-ea"/>
+                <a:cs typeface="+mj-cs"/>
+              </a:defRPr>
+            </a:lvl1pPr>
+          </a:lstStyle>
+          <a:p>
+            <a:r>
+              <a:rPr lang="es-MX" u="sng" dirty="0" smtClean="0"/>
+              <a:t>OfertApp</a:t>
+            </a:r>
+            <a:endParaRPr lang="es-CO" u="sng" dirty="0"/>
           </a:p>
         </p:txBody>
       </p:sp>
@@ -3692,99 +3889,86 @@
           </a:p>
         </p:txBody>
       </p:sp>
-      <p:sp>
-        <p:nvSpPr>
-          <p:cNvPr id="3" name="2 CuadroTexto"/>
-          <p:cNvSpPr txBox="1"/>
+      <p:pic>
+        <p:nvPicPr>
+          <p:cNvPr id="5" name="Picture 4" descr="Captura de pantalla 2014-08-03 a la(s) 13.31.29.png"/>
+          <p:cNvPicPr>
+            <a:picLocks noChangeAspect="1"/>
+          </p:cNvPicPr>
           <p:nvPr/>
-        </p:nvSpPr>
+        </p:nvPicPr>
+        <p:blipFill>
+          <a:blip r:embed="rId2">
+            <a:extLst>
+              <a:ext uri="{28A0092B-C50C-407E-A947-70E740481C1C}">
+                <a14:useLocalDpi xmlns:a14="http://schemas.microsoft.com/office/drawing/2010/main" val="0"/>
+              </a:ext>
+            </a:extLst>
+          </a:blip>
+          <a:stretch>
+            <a:fillRect/>
+          </a:stretch>
+        </p:blipFill>
         <p:spPr>
           <a:xfrm>
-            <a:off x="1403648" y="5795972"/>
-            <a:ext cx="6304162" cy="923330"/>
+            <a:off x="683568" y="1412776"/>
+            <a:ext cx="3476514" cy="5085184"/>
           </a:xfrm>
           <a:prstGeom prst="rect">
             <a:avLst/>
           </a:prstGeom>
-          <a:solidFill>
-            <a:schemeClr val="accent6">
-              <a:lumMod val="60000"/>
-              <a:lumOff val="40000"/>
-            </a:schemeClr>
-          </a:solidFill>
+          <a:ln>
+            <a:noFill/>
+          </a:ln>
+          <a:effectLst>
+            <a:outerShdw blurRad="292100" dist="139700" dir="2700000" algn="tl" rotWithShape="0">
+              <a:srgbClr val="333333">
+                <a:alpha val="65000"/>
+              </a:srgbClr>
+            </a:outerShdw>
+          </a:effectLst>
         </p:spPr>
-        <p:txBody>
-          <a:bodyPr wrap="none" rtlCol="0">
-            <a:spAutoFit/>
-          </a:bodyPr>
-          <a:lstStyle/>
-          <a:p>
-            <a:pPr algn="ctr"/>
-            <a:r>
-              <a:rPr lang="es-MX" dirty="0" smtClean="0"/>
-              <a:t>Tenga lista esta parte de la presentación por si resulta ganador. </a:t>
-            </a:r>
-          </a:p>
-          <a:p>
-            <a:pPr algn="ctr"/>
-            <a:r>
-              <a:rPr lang="es-MX" dirty="0" smtClean="0"/>
-              <a:t>IMPORTANTE: NO LA USE DURANTE EL PROCESO DE EVALUACIÓN.</a:t>
-            </a:r>
-          </a:p>
-          <a:p>
-            <a:pPr algn="ctr"/>
-            <a:r>
-              <a:rPr lang="es-MX" dirty="0" smtClean="0"/>
-              <a:t>Borre este mensaje antes de hacer su presentación</a:t>
-            </a:r>
-            <a:endParaRPr lang="es-CO" dirty="0"/>
-          </a:p>
-        </p:txBody>
-      </p:sp>
-      <p:sp>
-        <p:nvSpPr>
-          <p:cNvPr id="4" name="3 CuadroTexto"/>
-          <p:cNvSpPr txBox="1"/>
+      </p:pic>
+      <p:pic>
+        <p:nvPicPr>
+          <p:cNvPr id="6" name="Picture 5" descr="Captura de pantalla 2014-08-03 a la(s) 13.32.09.png"/>
+          <p:cNvPicPr>
+            <a:picLocks noChangeAspect="1"/>
+          </p:cNvPicPr>
           <p:nvPr/>
-        </p:nvSpPr>
+        </p:nvPicPr>
+        <p:blipFill>
+          <a:blip r:embed="rId3">
+            <a:extLst>
+              <a:ext uri="{28A0092B-C50C-407E-A947-70E740481C1C}">
+                <a14:useLocalDpi xmlns:a14="http://schemas.microsoft.com/office/drawing/2010/main" val="0"/>
+              </a:ext>
+            </a:extLst>
+          </a:blip>
+          <a:stretch>
+            <a:fillRect/>
+          </a:stretch>
+        </p:blipFill>
         <p:spPr>
           <a:xfrm>
-            <a:off x="611560" y="1556792"/>
-            <a:ext cx="7632848" cy="646331"/>
+            <a:off x="5076056" y="1412775"/>
+            <a:ext cx="3528392" cy="5040561"/>
           </a:xfrm>
           <a:prstGeom prst="rect">
             <a:avLst/>
           </a:prstGeom>
-          <a:noFill/>
+          <a:ln>
+            <a:noFill/>
+          </a:ln>
+          <a:effectLst>
+            <a:outerShdw blurRad="292100" dist="139700" dir="2700000" algn="tl" rotWithShape="0">
+              <a:srgbClr val="333333">
+                <a:alpha val="65000"/>
+              </a:srgbClr>
+            </a:outerShdw>
+          </a:effectLst>
         </p:spPr>
-        <p:txBody>
-          <a:bodyPr wrap="square" rtlCol="0">
-            <a:spAutoFit/>
-          </a:bodyPr>
-          <a:lstStyle/>
-          <a:p>
-            <a:r>
-              <a:rPr lang="es-MX" dirty="0" smtClean="0"/>
-              <a:t>Sugerencias: </a:t>
-            </a:r>
-          </a:p>
-          <a:p>
-            <a:pPr marL="342900" indent="-342900">
-              <a:buAutoNum type="arabicPeriod"/>
-            </a:pPr>
-            <a:r>
-              <a:rPr lang="es-MX" dirty="0"/>
-              <a:t>Utilice </a:t>
-            </a:r>
-            <a:r>
-              <a:rPr lang="es-MX" dirty="0" smtClean="0"/>
-              <a:t>imágenes de su aplicación que le sirvan para presentar el desarrollo.</a:t>
-            </a:r>
-            <a:endParaRPr lang="es-MX" dirty="0"/>
-          </a:p>
-        </p:txBody>
-      </p:sp>
+      </p:pic>
     </p:spTree>
     <p:extLst>
       <p:ext uri="{BB962C8B-B14F-4D97-AF65-F5344CB8AC3E}">
@@ -4144,34 +4328,6 @@
               <a:t>GRACIAS</a:t>
             </a:r>
             <a:endParaRPr lang="es-CO" dirty="0"/>
-          </a:p>
-        </p:txBody>
-      </p:sp>
-      <p:sp>
-        <p:nvSpPr>
-          <p:cNvPr id="3" name="2 Rectángulo"/>
-          <p:cNvSpPr/>
-          <p:nvPr/>
-        </p:nvSpPr>
-        <p:spPr>
-          <a:xfrm>
-            <a:off x="1187624" y="4581128"/>
-            <a:ext cx="6744026" cy="1015663"/>
-          </a:xfrm>
-          <a:prstGeom prst="rect">
-            <a:avLst/>
-          </a:prstGeom>
-        </p:spPr>
-        <p:txBody>
-          <a:bodyPr wrap="none">
-            <a:spAutoFit/>
-          </a:bodyPr>
-          <a:lstStyle/>
-          <a:p>
-            <a:r>
-              <a:rPr lang="es-CO" sz="6000" b="1" dirty="0"/>
-              <a:t>http://bit.ly/U4lugQ</a:t>
-            </a:r>
           </a:p>
         </p:txBody>
       </p:sp>

--- a/smartcities/themeforest-6705726-stroller-mobile-tablet-responsive-template/PresentacionOferta/OfertaEmpleo.pptx
+++ b/smartcities/themeforest-6705726-stroller-mobile-tablet-responsive-template/PresentacionOferta/OfertaEmpleo.pptx
@@ -11,8 +11,10 @@
     <p:sldId id="260" r:id="rId5"/>
     <p:sldId id="261" r:id="rId6"/>
     <p:sldId id="262" r:id="rId7"/>
-    <p:sldId id="263" r:id="rId8"/>
-    <p:sldId id="264" r:id="rId9"/>
+    <p:sldId id="265" r:id="rId8"/>
+    <p:sldId id="266" r:id="rId9"/>
+    <p:sldId id="267" r:id="rId10"/>
+    <p:sldId id="264" r:id="rId11"/>
   </p:sldIdLst>
   <p:sldSz cx="9144000" cy="6858000" type="screen4x3"/>
   <p:notesSz cx="6858000" cy="9144000"/>
@@ -3232,6 +3234,64 @@
 </p:sld>
 </file>
 
+<file path=ppt/slides/slide10.xml><?xml version="1.0" encoding="utf-8"?>
+<p:sld xmlns:a="http://schemas.openxmlformats.org/drawingml/2006/main" xmlns:r="http://schemas.openxmlformats.org/officeDocument/2006/relationships" xmlns:p="http://schemas.openxmlformats.org/presentationml/2006/main">
+  <p:cSld>
+    <p:spTree>
+      <p:nvGrpSpPr>
+        <p:cNvPr id="1" name=""/>
+        <p:cNvGrpSpPr/>
+        <p:nvPr/>
+      </p:nvGrpSpPr>
+      <p:grpSpPr>
+        <a:xfrm>
+          <a:off x="0" y="0"/>
+          <a:ext cx="0" cy="0"/>
+          <a:chOff x="0" y="0"/>
+          <a:chExt cx="0" cy="0"/>
+        </a:xfrm>
+      </p:grpSpPr>
+      <p:sp>
+        <p:nvSpPr>
+          <p:cNvPr id="2" name="1 Título"/>
+          <p:cNvSpPr>
+            <a:spLocks noGrp="1"/>
+          </p:cNvSpPr>
+          <p:nvPr>
+            <p:ph type="title"/>
+          </p:nvPr>
+        </p:nvSpPr>
+        <p:spPr>
+          <a:xfrm>
+            <a:off x="467544" y="2564904"/>
+            <a:ext cx="8229600" cy="1143000"/>
+          </a:xfrm>
+        </p:spPr>
+        <p:txBody>
+          <a:bodyPr/>
+          <a:lstStyle/>
+          <a:p>
+            <a:r>
+              <a:rPr lang="es-MX" dirty="0" smtClean="0"/>
+              <a:t>GRACIAS</a:t>
+            </a:r>
+            <a:endParaRPr lang="es-CO" dirty="0"/>
+          </a:p>
+        </p:txBody>
+      </p:sp>
+    </p:spTree>
+    <p:extLst>
+      <p:ext uri="{BB962C8B-B14F-4D97-AF65-F5344CB8AC3E}">
+        <p14:creationId xmlns:p14="http://schemas.microsoft.com/office/powerpoint/2010/main" val="3993334498"/>
+      </p:ext>
+    </p:extLst>
+  </p:cSld>
+  <p:clrMapOvr>
+    <a:masterClrMapping/>
+  </p:clrMapOvr>
+</p:sld>
+</file>
+
 <file path=ppt/slides/slide2.xml><?xml version="1.0" encoding="utf-8"?>
 <p:sld xmlns:a="http://schemas.openxmlformats.org/drawingml/2006/main" xmlns:r="http://schemas.openxmlformats.org/officeDocument/2006/relationships" xmlns:p="http://schemas.openxmlformats.org/presentationml/2006/main">
   <p:cSld>
@@ -3567,7 +3627,7 @@
         <p:spPr>
           <a:xfrm>
             <a:off x="251520" y="1340768"/>
-            <a:ext cx="5040560" cy="5262979"/>
+            <a:ext cx="5040560" cy="4708981"/>
           </a:xfrm>
           <a:prstGeom prst="rect">
             <a:avLst/>
@@ -3585,7 +3645,7 @@
               <a:buChar char="-"/>
             </a:pPr>
             <a:r>
-              <a:rPr lang="es-MX" sz="2400" dirty="0" smtClean="0"/>
+              <a:rPr lang="es-MX" sz="2000" dirty="0" smtClean="0"/>
               <a:t>Listado de ofertas.</a:t>
             </a:r>
           </a:p>
@@ -3594,7 +3654,7 @@
               <a:buFontTx/>
               <a:buChar char="-"/>
             </a:pPr>
-            <a:endParaRPr lang="es-MX" sz="2400" dirty="0" smtClean="0"/>
+            <a:endParaRPr lang="es-MX" sz="2000" dirty="0" smtClean="0"/>
           </a:p>
           <a:p>
             <a:pPr marL="342900" indent="-342900">
@@ -3602,11 +3662,11 @@
               <a:buChar char="-"/>
             </a:pPr>
             <a:r>
-              <a:rPr lang="es-MX" sz="2400" dirty="0" smtClean="0"/>
+              <a:rPr lang="es-MX" sz="2000" dirty="0" smtClean="0"/>
               <a:t>Participaci</a:t>
             </a:r>
             <a:r>
-              <a:rPr lang="es-MX" sz="2400" dirty="0" smtClean="0"/>
+              <a:rPr lang="es-MX" sz="2000" dirty="0" smtClean="0"/>
               <a:t>ón ciudadana (Redes sociales).</a:t>
             </a:r>
           </a:p>
@@ -3615,7 +3675,7 @@
               <a:buFontTx/>
               <a:buChar char="-"/>
             </a:pPr>
-            <a:endParaRPr lang="es-MX" sz="2400" dirty="0" smtClean="0"/>
+            <a:endParaRPr lang="es-MX" sz="2000" dirty="0" smtClean="0"/>
           </a:p>
           <a:p>
             <a:pPr marL="342900" indent="-342900">
@@ -3623,7 +3683,7 @@
               <a:buChar char="-"/>
             </a:pPr>
             <a:r>
-              <a:rPr lang="es-MX" sz="2400" dirty="0" smtClean="0"/>
+              <a:rPr lang="es-MX" sz="2000" dirty="0" smtClean="0"/>
               <a:t>Registro de ofertas.</a:t>
             </a:r>
           </a:p>
@@ -3632,7 +3692,7 @@
               <a:buFontTx/>
               <a:buChar char="-"/>
             </a:pPr>
-            <a:endParaRPr lang="es-MX" sz="2400" dirty="0" smtClean="0"/>
+            <a:endParaRPr lang="es-MX" sz="2000" dirty="0" smtClean="0"/>
           </a:p>
           <a:p>
             <a:pPr marL="342900" indent="-342900">
@@ -3640,7 +3700,7 @@
               <a:buChar char="-"/>
             </a:pPr>
             <a:r>
-              <a:rPr lang="es-MX" sz="2400" dirty="0" smtClean="0"/>
+              <a:rPr lang="es-MX" sz="2000" dirty="0" smtClean="0"/>
               <a:t>GEOLOCALIZACIÓN.</a:t>
             </a:r>
           </a:p>
@@ -3649,7 +3709,7 @@
               <a:buFontTx/>
               <a:buChar char="-"/>
             </a:pPr>
-            <a:endParaRPr lang="es-MX" sz="2400" dirty="0" smtClean="0"/>
+            <a:endParaRPr lang="es-MX" sz="2000" dirty="0" smtClean="0"/>
           </a:p>
           <a:p>
             <a:pPr marL="342900" indent="-342900">
@@ -3657,7 +3717,7 @@
               <a:buChar char="-"/>
             </a:pPr>
             <a:r>
-              <a:rPr lang="es-MX" sz="2400" dirty="0" smtClean="0"/>
+              <a:rPr lang="es-MX" sz="2000" dirty="0" smtClean="0"/>
               <a:t>NOTICIAS DE INTERÉS.</a:t>
             </a:r>
           </a:p>
@@ -3666,7 +3726,7 @@
               <a:buFontTx/>
               <a:buChar char="-"/>
             </a:pPr>
-            <a:endParaRPr lang="es-MX" sz="2400" dirty="0" smtClean="0"/>
+            <a:endParaRPr lang="es-MX" sz="2000" dirty="0" smtClean="0"/>
           </a:p>
           <a:p>
             <a:pPr marL="342900" indent="-342900">
@@ -3674,7 +3734,7 @@
               <a:buChar char="-"/>
             </a:pPr>
             <a:r>
-              <a:rPr lang="es-MX" sz="2400" dirty="0" smtClean="0"/>
+              <a:rPr lang="es-MX" sz="2000" dirty="0" smtClean="0"/>
               <a:t>PREGUNTAS FRECUENTES.</a:t>
             </a:r>
           </a:p>
@@ -3683,7 +3743,7 @@
               <a:buFontTx/>
               <a:buChar char="-"/>
             </a:pPr>
-            <a:endParaRPr lang="es-MX" sz="2400" dirty="0"/>
+            <a:endParaRPr lang="es-MX" sz="2000" dirty="0"/>
           </a:p>
           <a:p>
             <a:pPr marL="342900" indent="-342900">
@@ -3691,10 +3751,27 @@
               <a:buChar char="-"/>
             </a:pPr>
             <a:r>
-              <a:rPr lang="es-MX" sz="2400" dirty="0" smtClean="0"/>
+              <a:rPr lang="es-MX" sz="2000" dirty="0" smtClean="0"/>
               <a:t>Notificaciones internas</a:t>
             </a:r>
-            <a:endParaRPr lang="es-MX" sz="2400" dirty="0" smtClean="0"/>
+          </a:p>
+          <a:p>
+            <a:pPr marL="342900" indent="-342900">
+              <a:buFontTx/>
+              <a:buChar char="-"/>
+            </a:pPr>
+            <a:endParaRPr lang="es-MX" sz="2000" dirty="0"/>
+          </a:p>
+          <a:p>
+            <a:pPr marL="342900" indent="-342900">
+              <a:buFontTx/>
+              <a:buChar char="-"/>
+            </a:pPr>
+            <a:r>
+              <a:rPr lang="es-MX" sz="2000" dirty="0" smtClean="0"/>
+              <a:t>Back-end</a:t>
+            </a:r>
+            <a:endParaRPr lang="es-MX" sz="2000" dirty="0" smtClean="0"/>
           </a:p>
         </p:txBody>
       </p:sp>
@@ -3879,11 +3956,11 @@
           <a:p>
             <a:r>
               <a:rPr lang="es-MX" dirty="0" smtClean="0"/>
-              <a:t>La solución que elaboramos </a:t>
-            </a:r>
-            <a:r>
-              <a:rPr lang="es-MX" sz="2000" dirty="0" smtClean="0"/>
-              <a:t>1/3</a:t>
+              <a:t>Buscar ofertas por geolocalizaci</a:t>
+            </a:r>
+            <a:r>
+              <a:rPr lang="es-MX" dirty="0" smtClean="0"/>
+              <a:t>ón</a:t>
             </a:r>
             <a:endParaRPr lang="es-CO" dirty="0"/>
           </a:p>
@@ -4001,7 +4078,7 @@
       </p:grpSpPr>
       <p:sp>
         <p:nvSpPr>
-          <p:cNvPr id="2" name="1 Título"/>
+          <p:cNvPr id="3" name="Title 2"/>
           <p:cNvSpPr>
             <a:spLocks noGrp="1"/>
           </p:cNvSpPr>
@@ -4015,110 +4092,105 @@
           <a:lstStyle/>
           <a:p>
             <a:r>
-              <a:rPr lang="es-MX" dirty="0" smtClean="0"/>
-              <a:t>La solución que elaboramos </a:t>
-            </a:r>
-            <a:r>
-              <a:rPr lang="es-MX" sz="2000" dirty="0" smtClean="0"/>
-              <a:t>2/3</a:t>
-            </a:r>
-            <a:endParaRPr lang="es-CO" dirty="0"/>
-          </a:p>
-        </p:txBody>
-      </p:sp>
-      <p:sp>
-        <p:nvSpPr>
-          <p:cNvPr id="4" name="3 CuadroTexto"/>
-          <p:cNvSpPr txBox="1"/>
+              <a:rPr lang="en-US" dirty="0" smtClean="0"/>
+              <a:t>Registrar </a:t>
+            </a:r>
+            <a:r>
+              <a:rPr lang="en-US" dirty="0" err="1" smtClean="0"/>
+              <a:t>oferta</a:t>
+            </a:r>
+            <a:r>
+              <a:rPr lang="en-US" dirty="0" smtClean="0"/>
+              <a:t> de </a:t>
+            </a:r>
+            <a:r>
+              <a:rPr lang="en-US" dirty="0" err="1" smtClean="0"/>
+              <a:t>empleo</a:t>
+            </a:r>
+            <a:endParaRPr lang="en-US" dirty="0"/>
+          </a:p>
+        </p:txBody>
+      </p:sp>
+      <p:pic>
+        <p:nvPicPr>
+          <p:cNvPr id="6" name="Picture 5" descr="Captura de pantalla 2014-08-03 a la(s) 13.39.05.png"/>
+          <p:cNvPicPr>
+            <a:picLocks noChangeAspect="1"/>
+          </p:cNvPicPr>
           <p:nvPr/>
-        </p:nvSpPr>
+        </p:nvPicPr>
+        <p:blipFill>
+          <a:blip r:embed="rId2">
+            <a:extLst>
+              <a:ext uri="{28A0092B-C50C-407E-A947-70E740481C1C}">
+                <a14:useLocalDpi xmlns:a14="http://schemas.microsoft.com/office/drawing/2010/main" val="0"/>
+              </a:ext>
+            </a:extLst>
+          </a:blip>
+          <a:stretch>
+            <a:fillRect/>
+          </a:stretch>
+        </p:blipFill>
         <p:spPr>
           <a:xfrm>
-            <a:off x="1403648" y="5795972"/>
-            <a:ext cx="6304162" cy="923330"/>
+            <a:off x="683568" y="1484784"/>
+            <a:ext cx="3312368" cy="5226934"/>
           </a:xfrm>
           <a:prstGeom prst="rect">
             <a:avLst/>
           </a:prstGeom>
-          <a:solidFill>
-            <a:schemeClr val="accent6">
-              <a:lumMod val="60000"/>
-              <a:lumOff val="40000"/>
-            </a:schemeClr>
-          </a:solidFill>
+          <a:ln>
+            <a:noFill/>
+          </a:ln>
+          <a:effectLst>
+            <a:outerShdw blurRad="292100" dist="139700" dir="2700000" algn="tl" rotWithShape="0">
+              <a:srgbClr val="333333">
+                <a:alpha val="65000"/>
+              </a:srgbClr>
+            </a:outerShdw>
+          </a:effectLst>
         </p:spPr>
-        <p:txBody>
-          <a:bodyPr wrap="none" rtlCol="0">
-            <a:spAutoFit/>
-          </a:bodyPr>
-          <a:lstStyle/>
-          <a:p>
-            <a:pPr algn="ctr"/>
-            <a:r>
-              <a:rPr lang="es-MX" dirty="0" smtClean="0"/>
-              <a:t>Tenga lista esta parte de la presentación por si resulta ganador. </a:t>
-            </a:r>
-          </a:p>
-          <a:p>
-            <a:pPr algn="ctr"/>
-            <a:r>
-              <a:rPr lang="es-MX" dirty="0" smtClean="0"/>
-              <a:t>IMPORTANTE: NO LA USE DURANTE EL PROCESO DE EVALUACIÓN.</a:t>
-            </a:r>
-          </a:p>
-          <a:p>
-            <a:pPr algn="ctr"/>
-            <a:r>
-              <a:rPr lang="es-MX" dirty="0" smtClean="0"/>
-              <a:t>Borre este mensaje antes de hacer su presentación</a:t>
-            </a:r>
-            <a:endParaRPr lang="es-CO" dirty="0"/>
-          </a:p>
-        </p:txBody>
-      </p:sp>
-      <p:sp>
-        <p:nvSpPr>
-          <p:cNvPr id="5" name="4 CuadroTexto"/>
-          <p:cNvSpPr txBox="1"/>
+      </p:pic>
+      <p:pic>
+        <p:nvPicPr>
+          <p:cNvPr id="7" name="Picture 6" descr="Captura de pantalla 2014-08-03 a la(s) 13.39.34.png"/>
+          <p:cNvPicPr>
+            <a:picLocks noChangeAspect="1"/>
+          </p:cNvPicPr>
           <p:nvPr/>
-        </p:nvSpPr>
+        </p:nvPicPr>
+        <p:blipFill>
+          <a:blip r:embed="rId3">
+            <a:extLst>
+              <a:ext uri="{28A0092B-C50C-407E-A947-70E740481C1C}">
+                <a14:useLocalDpi xmlns:a14="http://schemas.microsoft.com/office/drawing/2010/main" val="0"/>
+              </a:ext>
+            </a:extLst>
+          </a:blip>
+          <a:stretch>
+            <a:fillRect/>
+          </a:stretch>
+        </p:blipFill>
         <p:spPr>
           <a:xfrm>
-            <a:off x="611560" y="1556792"/>
-            <a:ext cx="7632848" cy="646331"/>
+            <a:off x="5292080" y="1484784"/>
+            <a:ext cx="3309435" cy="5186178"/>
           </a:xfrm>
           <a:prstGeom prst="rect">
             <a:avLst/>
           </a:prstGeom>
-          <a:noFill/>
+          <a:ln>
+            <a:noFill/>
+          </a:ln>
+          <a:effectLst>
+            <a:outerShdw blurRad="292100" dist="139700" dir="2700000" algn="tl" rotWithShape="0">
+              <a:srgbClr val="333333">
+                <a:alpha val="65000"/>
+              </a:srgbClr>
+            </a:outerShdw>
+          </a:effectLst>
         </p:spPr>
-        <p:txBody>
-          <a:bodyPr wrap="square" rtlCol="0">
-            <a:spAutoFit/>
-          </a:bodyPr>
-          <a:lstStyle/>
-          <a:p>
-            <a:r>
-              <a:rPr lang="es-MX" dirty="0" smtClean="0"/>
-              <a:t>Sugerencias: </a:t>
-            </a:r>
-          </a:p>
-          <a:p>
-            <a:pPr marL="342900" indent="-342900">
-              <a:buAutoNum type="arabicPeriod"/>
-            </a:pPr>
-            <a:r>
-              <a:rPr lang="es-MX" dirty="0"/>
-              <a:t>Utilice </a:t>
-            </a:r>
-            <a:r>
-              <a:rPr lang="es-MX" dirty="0" smtClean="0"/>
-              <a:t>imágenes de su aplicación que le sirvan para presentar el desarrollo.</a:t>
-            </a:r>
-            <a:endParaRPr lang="es-MX" dirty="0"/>
-          </a:p>
-        </p:txBody>
-      </p:sp>
+      </p:pic>
     </p:spTree>
     <p:extLst>
       <p:ext uri="{BB962C8B-B14F-4D97-AF65-F5344CB8AC3E}">
@@ -4151,7 +4223,7 @@
       </p:grpSpPr>
       <p:sp>
         <p:nvSpPr>
-          <p:cNvPr id="2" name="1 Título"/>
+          <p:cNvPr id="3" name="Title 2"/>
           <p:cNvSpPr>
             <a:spLocks noGrp="1"/>
           </p:cNvSpPr>
@@ -4165,118 +4237,113 @@
           <a:lstStyle/>
           <a:p>
             <a:r>
-              <a:rPr lang="es-MX" dirty="0" smtClean="0"/>
-              <a:t>La solución que elaboramos </a:t>
-            </a:r>
-            <a:r>
-              <a:rPr lang="es-MX" sz="2000" dirty="0"/>
-              <a:t>3</a:t>
-            </a:r>
-            <a:r>
-              <a:rPr lang="es-MX" sz="2000" dirty="0" smtClean="0"/>
-              <a:t>/3</a:t>
-            </a:r>
-            <a:endParaRPr lang="es-CO" dirty="0"/>
-          </a:p>
-        </p:txBody>
-      </p:sp>
-      <p:sp>
-        <p:nvSpPr>
-          <p:cNvPr id="4" name="3 CuadroTexto"/>
-          <p:cNvSpPr txBox="1"/>
+              <a:rPr lang="en-US" dirty="0" smtClean="0"/>
+              <a:t>Registrar </a:t>
+            </a:r>
+            <a:r>
+              <a:rPr lang="en-US" dirty="0" err="1" smtClean="0"/>
+              <a:t>oferta</a:t>
+            </a:r>
+            <a:r>
+              <a:rPr lang="en-US" dirty="0" smtClean="0"/>
+              <a:t> de </a:t>
+            </a:r>
+            <a:r>
+              <a:rPr lang="en-US" dirty="0" err="1" smtClean="0"/>
+              <a:t>empleo</a:t>
+            </a:r>
+            <a:r>
+              <a:rPr lang="en-US" dirty="0" smtClean="0"/>
+              <a:t> (2)</a:t>
+            </a:r>
+            <a:endParaRPr lang="en-US" dirty="0"/>
+          </a:p>
+        </p:txBody>
+      </p:sp>
+      <p:pic>
+        <p:nvPicPr>
+          <p:cNvPr id="2" name="Picture 1" descr="Captura de pantalla 2014-08-03 a la(s) 13.41.29.png"/>
+          <p:cNvPicPr>
+            <a:picLocks noChangeAspect="1"/>
+          </p:cNvPicPr>
           <p:nvPr/>
-        </p:nvSpPr>
+        </p:nvPicPr>
+        <p:blipFill>
+          <a:blip r:embed="rId2">
+            <a:extLst>
+              <a:ext uri="{28A0092B-C50C-407E-A947-70E740481C1C}">
+                <a14:useLocalDpi xmlns:a14="http://schemas.microsoft.com/office/drawing/2010/main" val="0"/>
+              </a:ext>
+            </a:extLst>
+          </a:blip>
+          <a:stretch>
+            <a:fillRect/>
+          </a:stretch>
+        </p:blipFill>
         <p:spPr>
           <a:xfrm>
-            <a:off x="1403648" y="5795972"/>
-            <a:ext cx="6304162" cy="923330"/>
+            <a:off x="755576" y="1412776"/>
+            <a:ext cx="3160480" cy="5040560"/>
           </a:xfrm>
           <a:prstGeom prst="rect">
             <a:avLst/>
           </a:prstGeom>
-          <a:solidFill>
-            <a:schemeClr val="accent6">
-              <a:lumMod val="60000"/>
-              <a:lumOff val="40000"/>
-            </a:schemeClr>
-          </a:solidFill>
+          <a:ln>
+            <a:noFill/>
+          </a:ln>
+          <a:effectLst>
+            <a:outerShdw blurRad="292100" dist="139700" dir="2700000" algn="tl" rotWithShape="0">
+              <a:srgbClr val="333333">
+                <a:alpha val="65000"/>
+              </a:srgbClr>
+            </a:outerShdw>
+          </a:effectLst>
         </p:spPr>
-        <p:txBody>
-          <a:bodyPr wrap="none" rtlCol="0">
-            <a:spAutoFit/>
-          </a:bodyPr>
-          <a:lstStyle/>
-          <a:p>
-            <a:pPr algn="ctr"/>
-            <a:r>
-              <a:rPr lang="es-MX" dirty="0" smtClean="0"/>
-              <a:t>Tenga lista esta parte de la presentación por si resulta ganador. </a:t>
-            </a:r>
-          </a:p>
-          <a:p>
-            <a:pPr algn="ctr"/>
-            <a:r>
-              <a:rPr lang="es-MX" dirty="0" smtClean="0"/>
-              <a:t>IMPORTANTE: NO LA USE DURANTE EL PROCESO DE EVALUACIÓN.</a:t>
-            </a:r>
-          </a:p>
-          <a:p>
-            <a:pPr algn="ctr"/>
-            <a:r>
-              <a:rPr lang="es-MX" dirty="0" smtClean="0"/>
-              <a:t>Borre este mensaje antes de hacer su presentación</a:t>
-            </a:r>
-            <a:endParaRPr lang="es-CO" dirty="0"/>
-          </a:p>
-        </p:txBody>
-      </p:sp>
-      <p:sp>
-        <p:nvSpPr>
-          <p:cNvPr id="5" name="4 CuadroTexto"/>
-          <p:cNvSpPr txBox="1"/>
+      </p:pic>
+      <p:pic>
+        <p:nvPicPr>
+          <p:cNvPr id="4" name="Picture 3" descr="Captura de pantalla 2014-08-03 a la(s) 13.41.38.png"/>
+          <p:cNvPicPr>
+            <a:picLocks noChangeAspect="1"/>
+          </p:cNvPicPr>
           <p:nvPr/>
-        </p:nvSpPr>
+        </p:nvPicPr>
+        <p:blipFill>
+          <a:blip r:embed="rId3">
+            <a:extLst>
+              <a:ext uri="{28A0092B-C50C-407E-A947-70E740481C1C}">
+                <a14:useLocalDpi xmlns:a14="http://schemas.microsoft.com/office/drawing/2010/main" val="0"/>
+              </a:ext>
+            </a:extLst>
+          </a:blip>
+          <a:stretch>
+            <a:fillRect/>
+          </a:stretch>
+        </p:blipFill>
         <p:spPr>
           <a:xfrm>
-            <a:off x="611560" y="1556792"/>
-            <a:ext cx="7632848" cy="646331"/>
+            <a:off x="5354870" y="1412776"/>
+            <a:ext cx="3177570" cy="5040560"/>
           </a:xfrm>
           <a:prstGeom prst="rect">
             <a:avLst/>
           </a:prstGeom>
-          <a:noFill/>
+          <a:ln>
+            <a:noFill/>
+          </a:ln>
+          <a:effectLst>
+            <a:outerShdw blurRad="292100" dist="139700" dir="2700000" algn="tl" rotWithShape="0">
+              <a:srgbClr val="333333">
+                <a:alpha val="65000"/>
+              </a:srgbClr>
+            </a:outerShdw>
+          </a:effectLst>
         </p:spPr>
-        <p:txBody>
-          <a:bodyPr wrap="square" rtlCol="0">
-            <a:spAutoFit/>
-          </a:bodyPr>
-          <a:lstStyle/>
-          <a:p>
-            <a:r>
-              <a:rPr lang="es-MX" dirty="0" smtClean="0"/>
-              <a:t>Sugerencias: </a:t>
-            </a:r>
-          </a:p>
-          <a:p>
-            <a:pPr marL="342900" indent="-342900">
-              <a:buAutoNum type="arabicPeriod"/>
-            </a:pPr>
-            <a:r>
-              <a:rPr lang="es-MX" dirty="0"/>
-              <a:t>Utilice </a:t>
-            </a:r>
-            <a:r>
-              <a:rPr lang="es-MX" dirty="0" smtClean="0"/>
-              <a:t>imágenes de su aplicación que le sirvan para presentar el desarrollo.</a:t>
-            </a:r>
-            <a:endParaRPr lang="es-MX" dirty="0"/>
-          </a:p>
-        </p:txBody>
-      </p:sp>
+      </p:pic>
     </p:spTree>
     <p:extLst>
       <p:ext uri="{BB962C8B-B14F-4D97-AF65-F5344CB8AC3E}">
-        <p14:creationId xmlns:p14="http://schemas.microsoft.com/office/powerpoint/2010/main" val="3859499662"/>
+        <p14:creationId xmlns:p14="http://schemas.microsoft.com/office/powerpoint/2010/main" val="1902860390"/>
       </p:ext>
     </p:extLst>
   </p:cSld>
@@ -4305,7 +4372,7 @@
       </p:grpSpPr>
       <p:sp>
         <p:nvSpPr>
-          <p:cNvPr id="2" name="1 Título"/>
+          <p:cNvPr id="3" name="Title 2"/>
           <p:cNvSpPr>
             <a:spLocks noGrp="1"/>
           </p:cNvSpPr>
@@ -4313,28 +4380,200 @@
             <p:ph type="title"/>
           </p:nvPr>
         </p:nvSpPr>
+        <p:spPr/>
+        <p:txBody>
+          <a:bodyPr/>
+          <a:lstStyle/>
+          <a:p>
+            <a:r>
+              <a:rPr lang="en-US" dirty="0" err="1" smtClean="0"/>
+              <a:t>Noticias</a:t>
+            </a:r>
+            <a:r>
+              <a:rPr lang="en-US" dirty="0" smtClean="0"/>
+              <a:t> y FAQS</a:t>
+            </a:r>
+            <a:endParaRPr lang="en-US" dirty="0"/>
+          </a:p>
+        </p:txBody>
+      </p:sp>
+      <p:pic>
+        <p:nvPicPr>
+          <p:cNvPr id="5" name="Picture 4" descr="Captura de pantalla 2014-08-03 a la(s) 13.42.46.png"/>
+          <p:cNvPicPr>
+            <a:picLocks noChangeAspect="1"/>
+          </p:cNvPicPr>
+          <p:nvPr/>
+        </p:nvPicPr>
+        <p:blipFill>
+          <a:blip r:embed="rId2">
+            <a:extLst>
+              <a:ext uri="{28A0092B-C50C-407E-A947-70E740481C1C}">
+                <a14:useLocalDpi xmlns:a14="http://schemas.microsoft.com/office/drawing/2010/main" val="0"/>
+              </a:ext>
+            </a:extLst>
+          </a:blip>
+          <a:stretch>
+            <a:fillRect/>
+          </a:stretch>
+        </p:blipFill>
         <p:spPr>
           <a:xfrm>
-            <a:off x="457200" y="2850634"/>
-            <a:ext cx="8229600" cy="1143000"/>
+            <a:off x="827584" y="1340768"/>
+            <a:ext cx="3123318" cy="4968552"/>
           </a:xfrm>
+          <a:prstGeom prst="rect">
+            <a:avLst/>
+          </a:prstGeom>
+          <a:ln>
+            <a:noFill/>
+          </a:ln>
+          <a:effectLst>
+            <a:outerShdw blurRad="292100" dist="139700" dir="2700000" algn="tl" rotWithShape="0">
+              <a:srgbClr val="333333">
+                <a:alpha val="65000"/>
+              </a:srgbClr>
+            </a:outerShdw>
+          </a:effectLst>
         </p:spPr>
-        <p:txBody>
-          <a:bodyPr/>
-          <a:lstStyle/>
-          <a:p>
-            <a:r>
-              <a:rPr lang="es-MX" dirty="0" smtClean="0"/>
-              <a:t>GRACIAS</a:t>
-            </a:r>
-            <a:endParaRPr lang="es-CO" dirty="0"/>
-          </a:p>
-        </p:txBody>
-      </p:sp>
+      </p:pic>
+      <p:pic>
+        <p:nvPicPr>
+          <p:cNvPr id="6" name="Picture 5" descr="Captura de pantalla 2014-08-03 a la(s) 13.43.33.png"/>
+          <p:cNvPicPr>
+            <a:picLocks noChangeAspect="1"/>
+          </p:cNvPicPr>
+          <p:nvPr/>
+        </p:nvPicPr>
+        <p:blipFill>
+          <a:blip r:embed="rId3">
+            <a:extLst>
+              <a:ext uri="{28A0092B-C50C-407E-A947-70E740481C1C}">
+                <a14:useLocalDpi xmlns:a14="http://schemas.microsoft.com/office/drawing/2010/main" val="0"/>
+              </a:ext>
+            </a:extLst>
+          </a:blip>
+          <a:stretch>
+            <a:fillRect/>
+          </a:stretch>
+        </p:blipFill>
+        <p:spPr>
+          <a:xfrm>
+            <a:off x="5508104" y="1340768"/>
+            <a:ext cx="3157343" cy="5025974"/>
+          </a:xfrm>
+          <a:prstGeom prst="rect">
+            <a:avLst/>
+          </a:prstGeom>
+          <a:ln>
+            <a:noFill/>
+          </a:ln>
+          <a:effectLst>
+            <a:outerShdw blurRad="292100" dist="139700" dir="2700000" algn="tl" rotWithShape="0">
+              <a:srgbClr val="333333">
+                <a:alpha val="65000"/>
+              </a:srgbClr>
+            </a:outerShdw>
+          </a:effectLst>
+        </p:spPr>
+      </p:pic>
     </p:spTree>
     <p:extLst>
       <p:ext uri="{BB962C8B-B14F-4D97-AF65-F5344CB8AC3E}">
-        <p14:creationId xmlns:p14="http://schemas.microsoft.com/office/powerpoint/2010/main" val="3993334498"/>
+        <p14:creationId xmlns:p14="http://schemas.microsoft.com/office/powerpoint/2010/main" val="1342710032"/>
+      </p:ext>
+    </p:extLst>
+  </p:cSld>
+  <p:clrMapOvr>
+    <a:masterClrMapping/>
+  </p:clrMapOvr>
+</p:sld>
+</file>
+
+<file path=ppt/slides/slide9.xml><?xml version="1.0" encoding="utf-8"?>
+<p:sld xmlns:a="http://schemas.openxmlformats.org/drawingml/2006/main" xmlns:r="http://schemas.openxmlformats.org/officeDocument/2006/relationships" xmlns:p="http://schemas.openxmlformats.org/presentationml/2006/main">
+  <p:cSld>
+    <p:spTree>
+      <p:nvGrpSpPr>
+        <p:cNvPr id="1" name=""/>
+        <p:cNvGrpSpPr/>
+        <p:nvPr/>
+      </p:nvGrpSpPr>
+      <p:grpSpPr>
+        <a:xfrm>
+          <a:off x="0" y="0"/>
+          <a:ext cx="0" cy="0"/>
+          <a:chOff x="0" y="0"/>
+          <a:chExt cx="0" cy="0"/>
+        </a:xfrm>
+      </p:grpSpPr>
+      <p:sp>
+        <p:nvSpPr>
+          <p:cNvPr id="3" name="Title 2"/>
+          <p:cNvSpPr>
+            <a:spLocks noGrp="1"/>
+          </p:cNvSpPr>
+          <p:nvPr>
+            <p:ph type="title"/>
+          </p:nvPr>
+        </p:nvSpPr>
+        <p:spPr/>
+        <p:txBody>
+          <a:bodyPr/>
+          <a:lstStyle/>
+          <a:p>
+            <a:r>
+              <a:rPr lang="en-US" dirty="0" err="1" smtClean="0"/>
+              <a:t>Notificaciones</a:t>
+            </a:r>
+            <a:endParaRPr lang="en-US" dirty="0"/>
+          </a:p>
+        </p:txBody>
+      </p:sp>
+      <p:pic>
+        <p:nvPicPr>
+          <p:cNvPr id="4" name="Picture 3" descr="Captura de pantalla 2014-08-03 a la(s) 13.45.13.png"/>
+          <p:cNvPicPr>
+            <a:picLocks noChangeAspect="1"/>
+          </p:cNvPicPr>
+          <p:nvPr/>
+        </p:nvPicPr>
+        <p:blipFill>
+          <a:blip r:embed="rId2">
+            <a:extLst>
+              <a:ext uri="{28A0092B-C50C-407E-A947-70E740481C1C}">
+                <a14:useLocalDpi xmlns:a14="http://schemas.microsoft.com/office/drawing/2010/main" val="0"/>
+              </a:ext>
+            </a:extLst>
+          </a:blip>
+          <a:stretch>
+            <a:fillRect/>
+          </a:stretch>
+        </p:blipFill>
+        <p:spPr>
+          <a:xfrm>
+            <a:off x="2771800" y="2636912"/>
+            <a:ext cx="3581400" cy="1943100"/>
+          </a:xfrm>
+          <a:prstGeom prst="rect">
+            <a:avLst/>
+          </a:prstGeom>
+          <a:ln>
+            <a:noFill/>
+          </a:ln>
+          <a:effectLst>
+            <a:outerShdw blurRad="292100" dist="139700" dir="2700000" algn="tl" rotWithShape="0">
+              <a:srgbClr val="333333">
+                <a:alpha val="65000"/>
+              </a:srgbClr>
+            </a:outerShdw>
+          </a:effectLst>
+        </p:spPr>
+      </p:pic>
+    </p:spTree>
+    <p:extLst>
+      <p:ext uri="{BB962C8B-B14F-4D97-AF65-F5344CB8AC3E}">
+        <p14:creationId xmlns:p14="http://schemas.microsoft.com/office/powerpoint/2010/main" val="2726351471"/>
       </p:ext>
     </p:extLst>
   </p:cSld>

--- a/smartcities/themeforest-6705726-stroller-mobile-tablet-responsive-template/PresentacionOferta/OfertaEmpleo.pptx
+++ b/smartcities/themeforest-6705726-stroller-mobile-tablet-responsive-template/PresentacionOferta/OfertaEmpleo.pptx
@@ -10,11 +10,13 @@
     <p:sldId id="259" r:id="rId4"/>
     <p:sldId id="260" r:id="rId5"/>
     <p:sldId id="261" r:id="rId6"/>
-    <p:sldId id="262" r:id="rId7"/>
-    <p:sldId id="265" r:id="rId8"/>
-    <p:sldId id="266" r:id="rId9"/>
-    <p:sldId id="267" r:id="rId10"/>
-    <p:sldId id="264" r:id="rId11"/>
+    <p:sldId id="268" r:id="rId7"/>
+    <p:sldId id="262" r:id="rId8"/>
+    <p:sldId id="265" r:id="rId9"/>
+    <p:sldId id="269" r:id="rId10"/>
+    <p:sldId id="266" r:id="rId11"/>
+    <p:sldId id="267" r:id="rId12"/>
+    <p:sldId id="264" r:id="rId13"/>
   </p:sldIdLst>
   <p:sldSz cx="9144000" cy="6858000" type="screen4x3"/>
   <p:notesSz cx="6858000" cy="9144000"/>
@@ -3253,6 +3255,236 @@
       </p:grpSpPr>
       <p:sp>
         <p:nvSpPr>
+          <p:cNvPr id="3" name="Title 2"/>
+          <p:cNvSpPr>
+            <a:spLocks noGrp="1"/>
+          </p:cNvSpPr>
+          <p:nvPr>
+            <p:ph type="title"/>
+          </p:nvPr>
+        </p:nvSpPr>
+        <p:spPr/>
+        <p:txBody>
+          <a:bodyPr/>
+          <a:lstStyle/>
+          <a:p>
+            <a:r>
+              <a:rPr lang="en-US" dirty="0" err="1" smtClean="0"/>
+              <a:t>Noticias</a:t>
+            </a:r>
+            <a:r>
+              <a:rPr lang="en-US" dirty="0" smtClean="0"/>
+              <a:t> y FAQS</a:t>
+            </a:r>
+            <a:endParaRPr lang="en-US" dirty="0"/>
+          </a:p>
+        </p:txBody>
+      </p:sp>
+      <p:pic>
+        <p:nvPicPr>
+          <p:cNvPr id="5" name="Picture 4" descr="Captura de pantalla 2014-08-03 a la(s) 13.42.46.png"/>
+          <p:cNvPicPr>
+            <a:picLocks noChangeAspect="1"/>
+          </p:cNvPicPr>
+          <p:nvPr/>
+        </p:nvPicPr>
+        <p:blipFill>
+          <a:blip r:embed="rId2">
+            <a:extLst>
+              <a:ext uri="{28A0092B-C50C-407E-A947-70E740481C1C}">
+                <a14:useLocalDpi xmlns:a14="http://schemas.microsoft.com/office/drawing/2010/main" val="0"/>
+              </a:ext>
+            </a:extLst>
+          </a:blip>
+          <a:stretch>
+            <a:fillRect/>
+          </a:stretch>
+        </p:blipFill>
+        <p:spPr>
+          <a:xfrm>
+            <a:off x="827584" y="1340768"/>
+            <a:ext cx="3123318" cy="4968552"/>
+          </a:xfrm>
+          <a:prstGeom prst="rect">
+            <a:avLst/>
+          </a:prstGeom>
+          <a:ln>
+            <a:noFill/>
+          </a:ln>
+          <a:effectLst>
+            <a:outerShdw blurRad="292100" dist="139700" dir="2700000" algn="tl" rotWithShape="0">
+              <a:srgbClr val="333333">
+                <a:alpha val="65000"/>
+              </a:srgbClr>
+            </a:outerShdw>
+          </a:effectLst>
+        </p:spPr>
+      </p:pic>
+      <p:pic>
+        <p:nvPicPr>
+          <p:cNvPr id="6" name="Picture 5" descr="Captura de pantalla 2014-08-03 a la(s) 13.43.33.png"/>
+          <p:cNvPicPr>
+            <a:picLocks noChangeAspect="1"/>
+          </p:cNvPicPr>
+          <p:nvPr/>
+        </p:nvPicPr>
+        <p:blipFill>
+          <a:blip r:embed="rId3">
+            <a:extLst>
+              <a:ext uri="{28A0092B-C50C-407E-A947-70E740481C1C}">
+                <a14:useLocalDpi xmlns:a14="http://schemas.microsoft.com/office/drawing/2010/main" val="0"/>
+              </a:ext>
+            </a:extLst>
+          </a:blip>
+          <a:stretch>
+            <a:fillRect/>
+          </a:stretch>
+        </p:blipFill>
+        <p:spPr>
+          <a:xfrm>
+            <a:off x="5508104" y="1340768"/>
+            <a:ext cx="3157343" cy="5025974"/>
+          </a:xfrm>
+          <a:prstGeom prst="rect">
+            <a:avLst/>
+          </a:prstGeom>
+          <a:ln>
+            <a:noFill/>
+          </a:ln>
+          <a:effectLst>
+            <a:outerShdw blurRad="292100" dist="139700" dir="2700000" algn="tl" rotWithShape="0">
+              <a:srgbClr val="333333">
+                <a:alpha val="65000"/>
+              </a:srgbClr>
+            </a:outerShdw>
+          </a:effectLst>
+        </p:spPr>
+      </p:pic>
+    </p:spTree>
+    <p:extLst>
+      <p:ext uri="{BB962C8B-B14F-4D97-AF65-F5344CB8AC3E}">
+        <p14:creationId xmlns:p14="http://schemas.microsoft.com/office/powerpoint/2010/main" val="1342710032"/>
+      </p:ext>
+    </p:extLst>
+  </p:cSld>
+  <p:clrMapOvr>
+    <a:masterClrMapping/>
+  </p:clrMapOvr>
+</p:sld>
+</file>
+
+<file path=ppt/slides/slide11.xml><?xml version="1.0" encoding="utf-8"?>
+<p:sld xmlns:a="http://schemas.openxmlformats.org/drawingml/2006/main" xmlns:r="http://schemas.openxmlformats.org/officeDocument/2006/relationships" xmlns:p="http://schemas.openxmlformats.org/presentationml/2006/main">
+  <p:cSld>
+    <p:spTree>
+      <p:nvGrpSpPr>
+        <p:cNvPr id="1" name=""/>
+        <p:cNvGrpSpPr/>
+        <p:nvPr/>
+      </p:nvGrpSpPr>
+      <p:grpSpPr>
+        <a:xfrm>
+          <a:off x="0" y="0"/>
+          <a:ext cx="0" cy="0"/>
+          <a:chOff x="0" y="0"/>
+          <a:chExt cx="0" cy="0"/>
+        </a:xfrm>
+      </p:grpSpPr>
+      <p:sp>
+        <p:nvSpPr>
+          <p:cNvPr id="3" name="Title 2"/>
+          <p:cNvSpPr>
+            <a:spLocks noGrp="1"/>
+          </p:cNvSpPr>
+          <p:nvPr>
+            <p:ph type="title"/>
+          </p:nvPr>
+        </p:nvSpPr>
+        <p:spPr/>
+        <p:txBody>
+          <a:bodyPr/>
+          <a:lstStyle/>
+          <a:p>
+            <a:r>
+              <a:rPr lang="en-US" dirty="0" err="1" smtClean="0"/>
+              <a:t>Notificaciones</a:t>
+            </a:r>
+            <a:endParaRPr lang="en-US" dirty="0"/>
+          </a:p>
+        </p:txBody>
+      </p:sp>
+      <p:pic>
+        <p:nvPicPr>
+          <p:cNvPr id="4" name="Picture 3" descr="Captura de pantalla 2014-08-03 a la(s) 13.45.13.png"/>
+          <p:cNvPicPr>
+            <a:picLocks noChangeAspect="1"/>
+          </p:cNvPicPr>
+          <p:nvPr/>
+        </p:nvPicPr>
+        <p:blipFill>
+          <a:blip r:embed="rId2">
+            <a:extLst>
+              <a:ext uri="{28A0092B-C50C-407E-A947-70E740481C1C}">
+                <a14:useLocalDpi xmlns:a14="http://schemas.microsoft.com/office/drawing/2010/main" val="0"/>
+              </a:ext>
+            </a:extLst>
+          </a:blip>
+          <a:stretch>
+            <a:fillRect/>
+          </a:stretch>
+        </p:blipFill>
+        <p:spPr>
+          <a:xfrm>
+            <a:off x="2771800" y="2636912"/>
+            <a:ext cx="3581400" cy="1943100"/>
+          </a:xfrm>
+          <a:prstGeom prst="rect">
+            <a:avLst/>
+          </a:prstGeom>
+          <a:ln>
+            <a:noFill/>
+          </a:ln>
+          <a:effectLst>
+            <a:outerShdw blurRad="292100" dist="139700" dir="2700000" algn="tl" rotWithShape="0">
+              <a:srgbClr val="333333">
+                <a:alpha val="65000"/>
+              </a:srgbClr>
+            </a:outerShdw>
+          </a:effectLst>
+        </p:spPr>
+      </p:pic>
+    </p:spTree>
+    <p:extLst>
+      <p:ext uri="{BB962C8B-B14F-4D97-AF65-F5344CB8AC3E}">
+        <p14:creationId xmlns:p14="http://schemas.microsoft.com/office/powerpoint/2010/main" val="2726351471"/>
+      </p:ext>
+    </p:extLst>
+  </p:cSld>
+  <p:clrMapOvr>
+    <a:masterClrMapping/>
+  </p:clrMapOvr>
+</p:sld>
+</file>
+
+<file path=ppt/slides/slide12.xml><?xml version="1.0" encoding="utf-8"?>
+<p:sld xmlns:a="http://schemas.openxmlformats.org/drawingml/2006/main" xmlns:r="http://schemas.openxmlformats.org/officeDocument/2006/relationships" xmlns:p="http://schemas.openxmlformats.org/presentationml/2006/main">
+  <p:cSld>
+    <p:spTree>
+      <p:nvGrpSpPr>
+        <p:cNvPr id="1" name=""/>
+        <p:cNvGrpSpPr/>
+        <p:nvPr/>
+      </p:nvGrpSpPr>
+      <p:grpSpPr>
+        <a:xfrm>
+          <a:off x="0" y="0"/>
+          <a:ext cx="0" cy="0"/>
+          <a:chOff x="0" y="0"/>
+          <a:chExt cx="0" cy="0"/>
+        </a:xfrm>
+      </p:grpSpPr>
+      <p:sp>
+        <p:nvSpPr>
           <p:cNvPr id="2" name="1 Título"/>
           <p:cNvSpPr>
             <a:spLocks noGrp="1"/>
@@ -4078,6 +4310,59 @@
       </p:grpSpPr>
       <p:sp>
         <p:nvSpPr>
+          <p:cNvPr id="2" name="1 Título"/>
+          <p:cNvSpPr>
+            <a:spLocks noGrp="1"/>
+          </p:cNvSpPr>
+          <p:nvPr>
+            <p:ph type="title"/>
+          </p:nvPr>
+        </p:nvSpPr>
+        <p:spPr/>
+        <p:txBody>
+          <a:bodyPr/>
+          <a:lstStyle/>
+          <a:p>
+            <a:r>
+              <a:rPr lang="es-MX" dirty="0" smtClean="0"/>
+              <a:t>Lista de ofertas</a:t>
+            </a:r>
+            <a:endParaRPr lang="es-CO" dirty="0"/>
+          </a:p>
+        </p:txBody>
+      </p:sp>
+    </p:spTree>
+    <p:extLst>
+      <p:ext uri="{BB962C8B-B14F-4D97-AF65-F5344CB8AC3E}">
+        <p14:creationId xmlns:p14="http://schemas.microsoft.com/office/powerpoint/2010/main" val="3534779046"/>
+      </p:ext>
+    </p:extLst>
+  </p:cSld>
+  <p:clrMapOvr>
+    <a:masterClrMapping/>
+  </p:clrMapOvr>
+</p:sld>
+</file>
+
+<file path=ppt/slides/slide7.xml><?xml version="1.0" encoding="utf-8"?>
+<p:sld xmlns:a="http://schemas.openxmlformats.org/drawingml/2006/main" xmlns:r="http://schemas.openxmlformats.org/officeDocument/2006/relationships" xmlns:p="http://schemas.openxmlformats.org/presentationml/2006/main">
+  <p:cSld>
+    <p:spTree>
+      <p:nvGrpSpPr>
+        <p:cNvPr id="1" name=""/>
+        <p:cNvGrpSpPr/>
+        <p:nvPr/>
+      </p:nvGrpSpPr>
+      <p:grpSpPr>
+        <a:xfrm>
+          <a:off x="0" y="0"/>
+          <a:ext cx="0" cy="0"/>
+          <a:chOff x="0" y="0"/>
+          <a:chExt cx="0" cy="0"/>
+        </a:xfrm>
+      </p:grpSpPr>
+      <p:sp>
+        <p:nvSpPr>
           <p:cNvPr id="3" name="Title 2"/>
           <p:cNvSpPr>
             <a:spLocks noGrp="1"/>
@@ -4204,7 +4489,7 @@
 </p:sld>
 </file>
 
-<file path=ppt/slides/slide7.xml><?xml version="1.0" encoding="utf-8"?>
+<file path=ppt/slides/slide8.xml><?xml version="1.0" encoding="utf-8"?>
 <p:sld xmlns:a="http://schemas.openxmlformats.org/drawingml/2006/main" xmlns:r="http://schemas.openxmlformats.org/officeDocument/2006/relationships" xmlns:p="http://schemas.openxmlformats.org/presentationml/2006/main">
   <p:cSld>
     <p:spTree>
@@ -4353,143 +4638,6 @@
 </p:sld>
 </file>
 
-<file path=ppt/slides/slide8.xml><?xml version="1.0" encoding="utf-8"?>
-<p:sld xmlns:a="http://schemas.openxmlformats.org/drawingml/2006/main" xmlns:r="http://schemas.openxmlformats.org/officeDocument/2006/relationships" xmlns:p="http://schemas.openxmlformats.org/presentationml/2006/main">
-  <p:cSld>
-    <p:spTree>
-      <p:nvGrpSpPr>
-        <p:cNvPr id="1" name=""/>
-        <p:cNvGrpSpPr/>
-        <p:nvPr/>
-      </p:nvGrpSpPr>
-      <p:grpSpPr>
-        <a:xfrm>
-          <a:off x="0" y="0"/>
-          <a:ext cx="0" cy="0"/>
-          <a:chOff x="0" y="0"/>
-          <a:chExt cx="0" cy="0"/>
-        </a:xfrm>
-      </p:grpSpPr>
-      <p:sp>
-        <p:nvSpPr>
-          <p:cNvPr id="3" name="Title 2"/>
-          <p:cNvSpPr>
-            <a:spLocks noGrp="1"/>
-          </p:cNvSpPr>
-          <p:nvPr>
-            <p:ph type="title"/>
-          </p:nvPr>
-        </p:nvSpPr>
-        <p:spPr/>
-        <p:txBody>
-          <a:bodyPr/>
-          <a:lstStyle/>
-          <a:p>
-            <a:r>
-              <a:rPr lang="en-US" dirty="0" err="1" smtClean="0"/>
-              <a:t>Noticias</a:t>
-            </a:r>
-            <a:r>
-              <a:rPr lang="en-US" dirty="0" smtClean="0"/>
-              <a:t> y FAQS</a:t>
-            </a:r>
-            <a:endParaRPr lang="en-US" dirty="0"/>
-          </a:p>
-        </p:txBody>
-      </p:sp>
-      <p:pic>
-        <p:nvPicPr>
-          <p:cNvPr id="5" name="Picture 4" descr="Captura de pantalla 2014-08-03 a la(s) 13.42.46.png"/>
-          <p:cNvPicPr>
-            <a:picLocks noChangeAspect="1"/>
-          </p:cNvPicPr>
-          <p:nvPr/>
-        </p:nvPicPr>
-        <p:blipFill>
-          <a:blip r:embed="rId2">
-            <a:extLst>
-              <a:ext uri="{28A0092B-C50C-407E-A947-70E740481C1C}">
-                <a14:useLocalDpi xmlns:a14="http://schemas.microsoft.com/office/drawing/2010/main" val="0"/>
-              </a:ext>
-            </a:extLst>
-          </a:blip>
-          <a:stretch>
-            <a:fillRect/>
-          </a:stretch>
-        </p:blipFill>
-        <p:spPr>
-          <a:xfrm>
-            <a:off x="827584" y="1340768"/>
-            <a:ext cx="3123318" cy="4968552"/>
-          </a:xfrm>
-          <a:prstGeom prst="rect">
-            <a:avLst/>
-          </a:prstGeom>
-          <a:ln>
-            <a:noFill/>
-          </a:ln>
-          <a:effectLst>
-            <a:outerShdw blurRad="292100" dist="139700" dir="2700000" algn="tl" rotWithShape="0">
-              <a:srgbClr val="333333">
-                <a:alpha val="65000"/>
-              </a:srgbClr>
-            </a:outerShdw>
-          </a:effectLst>
-        </p:spPr>
-      </p:pic>
-      <p:pic>
-        <p:nvPicPr>
-          <p:cNvPr id="6" name="Picture 5" descr="Captura de pantalla 2014-08-03 a la(s) 13.43.33.png"/>
-          <p:cNvPicPr>
-            <a:picLocks noChangeAspect="1"/>
-          </p:cNvPicPr>
-          <p:nvPr/>
-        </p:nvPicPr>
-        <p:blipFill>
-          <a:blip r:embed="rId3">
-            <a:extLst>
-              <a:ext uri="{28A0092B-C50C-407E-A947-70E740481C1C}">
-                <a14:useLocalDpi xmlns:a14="http://schemas.microsoft.com/office/drawing/2010/main" val="0"/>
-              </a:ext>
-            </a:extLst>
-          </a:blip>
-          <a:stretch>
-            <a:fillRect/>
-          </a:stretch>
-        </p:blipFill>
-        <p:spPr>
-          <a:xfrm>
-            <a:off x="5508104" y="1340768"/>
-            <a:ext cx="3157343" cy="5025974"/>
-          </a:xfrm>
-          <a:prstGeom prst="rect">
-            <a:avLst/>
-          </a:prstGeom>
-          <a:ln>
-            <a:noFill/>
-          </a:ln>
-          <a:effectLst>
-            <a:outerShdw blurRad="292100" dist="139700" dir="2700000" algn="tl" rotWithShape="0">
-              <a:srgbClr val="333333">
-                <a:alpha val="65000"/>
-              </a:srgbClr>
-            </a:outerShdw>
-          </a:effectLst>
-        </p:spPr>
-      </p:pic>
-    </p:spTree>
-    <p:extLst>
-      <p:ext uri="{BB962C8B-B14F-4D97-AF65-F5344CB8AC3E}">
-        <p14:creationId xmlns:p14="http://schemas.microsoft.com/office/powerpoint/2010/main" val="1342710032"/>
-      </p:ext>
-    </p:extLst>
-  </p:cSld>
-  <p:clrMapOvr>
-    <a:masterClrMapping/>
-  </p:clrMapOvr>
-</p:sld>
-</file>
-
 <file path=ppt/slides/slide9.xml><?xml version="1.0" encoding="utf-8"?>
 <p:sld xmlns:a="http://schemas.openxmlformats.org/drawingml/2006/main" xmlns:r="http://schemas.openxmlformats.org/officeDocument/2006/relationships" xmlns:p="http://schemas.openxmlformats.org/presentationml/2006/main">
   <p:cSld>
@@ -4519,61 +4667,39 @@
         </p:nvSpPr>
         <p:spPr/>
         <p:txBody>
-          <a:bodyPr/>
+          <a:bodyPr>
+            <a:normAutofit/>
+          </a:bodyPr>
           <a:lstStyle/>
           <a:p>
             <a:r>
               <a:rPr lang="en-US" dirty="0" err="1" smtClean="0"/>
-              <a:t>Notificaciones</a:t>
+              <a:t>Consultar</a:t>
+            </a:r>
+            <a:r>
+              <a:rPr lang="en-US" dirty="0" smtClean="0"/>
+              <a:t> </a:t>
+            </a:r>
+            <a:r>
+              <a:rPr lang="en-US" dirty="0" err="1" smtClean="0"/>
+              <a:t>ofertas</a:t>
+            </a:r>
+            <a:r>
+              <a:rPr lang="en-US" dirty="0" smtClean="0"/>
+              <a:t> </a:t>
+            </a:r>
+            <a:r>
+              <a:rPr lang="en-US" dirty="0" err="1" smtClean="0"/>
+              <a:t>propias</a:t>
             </a:r>
             <a:endParaRPr lang="en-US" dirty="0"/>
           </a:p>
         </p:txBody>
       </p:sp>
-      <p:pic>
-        <p:nvPicPr>
-          <p:cNvPr id="4" name="Picture 3" descr="Captura de pantalla 2014-08-03 a la(s) 13.45.13.png"/>
-          <p:cNvPicPr>
-            <a:picLocks noChangeAspect="1"/>
-          </p:cNvPicPr>
-          <p:nvPr/>
-        </p:nvPicPr>
-        <p:blipFill>
-          <a:blip r:embed="rId2">
-            <a:extLst>
-              <a:ext uri="{28A0092B-C50C-407E-A947-70E740481C1C}">
-                <a14:useLocalDpi xmlns:a14="http://schemas.microsoft.com/office/drawing/2010/main" val="0"/>
-              </a:ext>
-            </a:extLst>
-          </a:blip>
-          <a:stretch>
-            <a:fillRect/>
-          </a:stretch>
-        </p:blipFill>
-        <p:spPr>
-          <a:xfrm>
-            <a:off x="2771800" y="2636912"/>
-            <a:ext cx="3581400" cy="1943100"/>
-          </a:xfrm>
-          <a:prstGeom prst="rect">
-            <a:avLst/>
-          </a:prstGeom>
-          <a:ln>
-            <a:noFill/>
-          </a:ln>
-          <a:effectLst>
-            <a:outerShdw blurRad="292100" dist="139700" dir="2700000" algn="tl" rotWithShape="0">
-              <a:srgbClr val="333333">
-                <a:alpha val="65000"/>
-              </a:srgbClr>
-            </a:outerShdw>
-          </a:effectLst>
-        </p:spPr>
-      </p:pic>
     </p:spTree>
     <p:extLst>
       <p:ext uri="{BB962C8B-B14F-4D97-AF65-F5344CB8AC3E}">
-        <p14:creationId xmlns:p14="http://schemas.microsoft.com/office/powerpoint/2010/main" val="2726351471"/>
+        <p14:creationId xmlns:p14="http://schemas.microsoft.com/office/powerpoint/2010/main" val="2598028467"/>
       </p:ext>
     </p:extLst>
   </p:cSld>

--- a/smartcities/themeforest-6705726-stroller-mobile-tablet-responsive-template/PresentacionOferta/OfertaEmpleo.pptx
+++ b/smartcities/themeforest-6705726-stroller-mobile-tablet-responsive-template/PresentacionOferta/OfertaEmpleo.pptx
@@ -4331,6 +4331,86 @@
           </a:p>
         </p:txBody>
       </p:sp>
+      <p:pic>
+        <p:nvPicPr>
+          <p:cNvPr id="3" name="Picture 2" descr="Captura de pantalla 2014-08-03 a la(s) 13.53.13.png"/>
+          <p:cNvPicPr>
+            <a:picLocks noChangeAspect="1"/>
+          </p:cNvPicPr>
+          <p:nvPr/>
+        </p:nvPicPr>
+        <p:blipFill>
+          <a:blip r:embed="rId2">
+            <a:extLst>
+              <a:ext uri="{28A0092B-C50C-407E-A947-70E740481C1C}">
+                <a14:useLocalDpi xmlns:a14="http://schemas.microsoft.com/office/drawing/2010/main" val="0"/>
+              </a:ext>
+            </a:extLst>
+          </a:blip>
+          <a:stretch>
+            <a:fillRect/>
+          </a:stretch>
+        </p:blipFill>
+        <p:spPr>
+          <a:xfrm>
+            <a:off x="683568" y="1412776"/>
+            <a:ext cx="3096344" cy="4865682"/>
+          </a:xfrm>
+          <a:prstGeom prst="rect">
+            <a:avLst/>
+          </a:prstGeom>
+          <a:ln>
+            <a:noFill/>
+          </a:ln>
+          <a:effectLst>
+            <a:outerShdw blurRad="292100" dist="139700" dir="2700000" algn="tl" rotWithShape="0">
+              <a:srgbClr val="333333">
+                <a:alpha val="65000"/>
+              </a:srgbClr>
+            </a:outerShdw>
+          </a:effectLst>
+        </p:spPr>
+      </p:pic>
+      <p:pic>
+        <p:nvPicPr>
+          <p:cNvPr id="4" name="Picture 3" descr="Captura de pantalla 2014-08-03 a la(s) 13.54.12.png"/>
+          <p:cNvPicPr>
+            <a:picLocks noChangeAspect="1"/>
+          </p:cNvPicPr>
+          <p:nvPr/>
+        </p:nvPicPr>
+        <p:blipFill>
+          <a:blip r:embed="rId3">
+            <a:extLst>
+              <a:ext uri="{28A0092B-C50C-407E-A947-70E740481C1C}">
+                <a14:useLocalDpi xmlns:a14="http://schemas.microsoft.com/office/drawing/2010/main" val="0"/>
+              </a:ext>
+            </a:extLst>
+          </a:blip>
+          <a:stretch>
+            <a:fillRect/>
+          </a:stretch>
+        </p:blipFill>
+        <p:spPr>
+          <a:xfrm>
+            <a:off x="5436096" y="1367153"/>
+            <a:ext cx="3168352" cy="4893612"/>
+          </a:xfrm>
+          <a:prstGeom prst="rect">
+            <a:avLst/>
+          </a:prstGeom>
+          <a:ln>
+            <a:noFill/>
+          </a:ln>
+          <a:effectLst>
+            <a:outerShdw blurRad="292100" dist="139700" dir="2700000" algn="tl" rotWithShape="0">
+              <a:srgbClr val="333333">
+                <a:alpha val="65000"/>
+              </a:srgbClr>
+            </a:outerShdw>
+          </a:effectLst>
+        </p:spPr>
+      </p:pic>
     </p:spTree>
     <p:extLst>
       <p:ext uri="{BB962C8B-B14F-4D97-AF65-F5344CB8AC3E}">
@@ -4696,6 +4776,46 @@
           </a:p>
         </p:txBody>
       </p:sp>
+      <p:pic>
+        <p:nvPicPr>
+          <p:cNvPr id="5" name="Picture 4" descr="Captura de pantalla 2014-08-03 a la(s) 13.56.32.png"/>
+          <p:cNvPicPr>
+            <a:picLocks noChangeAspect="1"/>
+          </p:cNvPicPr>
+          <p:nvPr/>
+        </p:nvPicPr>
+        <p:blipFill>
+          <a:blip r:embed="rId2">
+            <a:extLst>
+              <a:ext uri="{28A0092B-C50C-407E-A947-70E740481C1C}">
+                <a14:useLocalDpi xmlns:a14="http://schemas.microsoft.com/office/drawing/2010/main" val="0"/>
+              </a:ext>
+            </a:extLst>
+          </a:blip>
+          <a:stretch>
+            <a:fillRect/>
+          </a:stretch>
+        </p:blipFill>
+        <p:spPr>
+          <a:xfrm>
+            <a:off x="2915816" y="1268760"/>
+            <a:ext cx="3312368" cy="5217189"/>
+          </a:xfrm>
+          <a:prstGeom prst="rect">
+            <a:avLst/>
+          </a:prstGeom>
+          <a:ln>
+            <a:noFill/>
+          </a:ln>
+          <a:effectLst>
+            <a:outerShdw blurRad="292100" dist="139700" dir="2700000" algn="tl" rotWithShape="0">
+              <a:srgbClr val="333333">
+                <a:alpha val="65000"/>
+              </a:srgbClr>
+            </a:outerShdw>
+          </a:effectLst>
+        </p:spPr>
+      </p:pic>
     </p:spTree>
     <p:extLst>
       <p:ext uri="{BB962C8B-B14F-4D97-AF65-F5344CB8AC3E}">
